--- a/2025-Q4/Promises3/2025-10-19-Promises3.pptx
+++ b/2025-Q4/Promises3/2025-10-19-Promises3.pptx
@@ -290,7 +290,7 @@
               <a:pPr>
                 <a:defRPr/>
               </a:pPr>
-              <a:t>10/19/25</a:t>
+              <a:t>10/22/25</a:t>
             </a:fld>
             <a:endParaRPr lang="en-US"/>
           </a:p>
@@ -12988,7 +12988,13 @@
           <p:cNvGraphicFramePr>
             <a:graphicFrameLocks noGrp="1"/>
           </p:cNvGraphicFramePr>
-          <p:nvPr/>
+          <p:nvPr>
+            <p:extLst>
+              <p:ext uri="{D42A27DB-BD31-4B8C-83A1-F6EECF244321}">
+                <p14:modId xmlns:p14="http://schemas.microsoft.com/office/powerpoint/2010/main" val="2068429058"/>
+              </p:ext>
+            </p:extLst>
+          </p:nvPr>
         </p:nvGraphicFramePr>
         <p:xfrm>
           <a:off x="228600" y="685800"/>
@@ -13244,8 +13250,12 @@
                     <a:lstStyle/>
                     <a:p>
                       <a:r>
+                        <a:rPr lang="en-US"/>
+                        <a:t>Christ’s blood </a:t>
+                      </a:r>
+                      <a:r>
                         <a:rPr lang="en-US" dirty="0"/>
-                        <a:t>Christ’s blook once for all (Heb 9:12)</a:t>
+                        <a:t>once for all (Heb 9:12)</a:t>
                       </a:r>
                     </a:p>
                   </a:txBody>
@@ -18110,7 +18120,7 @@
 </file>
 
 <file path=ppt/slides/slide4.xml><?xml version="1.0" encoding="utf-8"?>
-<p:sld xmlns:a="http://schemas.openxmlformats.org/drawingml/2006/main" xmlns:r="http://schemas.openxmlformats.org/officeDocument/2006/relationships" xmlns:p="http://schemas.openxmlformats.org/presentationml/2006/main" show="0">
+<p:sld xmlns:a="http://schemas.openxmlformats.org/drawingml/2006/main" xmlns:r="http://schemas.openxmlformats.org/officeDocument/2006/relationships" xmlns:p="http://schemas.openxmlformats.org/presentationml/2006/main">
   <p:cSld>
     <p:spTree>
       <p:nvGrpSpPr>
@@ -18713,7 +18723,7 @@
 </file>
 
 <file path=ppt/slides/slide5.xml><?xml version="1.0" encoding="utf-8"?>
-<p:sld xmlns:a="http://schemas.openxmlformats.org/drawingml/2006/main" xmlns:r="http://schemas.openxmlformats.org/officeDocument/2006/relationships" xmlns:p="http://schemas.openxmlformats.org/presentationml/2006/main" show="0">
+<p:sld xmlns:a="http://schemas.openxmlformats.org/drawingml/2006/main" xmlns:r="http://schemas.openxmlformats.org/officeDocument/2006/relationships" xmlns:p="http://schemas.openxmlformats.org/presentationml/2006/main">
   <p:cSld>
     <p:spTree>
       <p:nvGrpSpPr>
@@ -19304,7 +19314,7 @@
 </file>
 
 <file path=ppt/slides/slide6.xml><?xml version="1.0" encoding="utf-8"?>
-<p:sld xmlns:a="http://schemas.openxmlformats.org/drawingml/2006/main" xmlns:r="http://schemas.openxmlformats.org/officeDocument/2006/relationships" xmlns:p="http://schemas.openxmlformats.org/presentationml/2006/main" show="0">
+<p:sld xmlns:a="http://schemas.openxmlformats.org/drawingml/2006/main" xmlns:r="http://schemas.openxmlformats.org/officeDocument/2006/relationships" xmlns:p="http://schemas.openxmlformats.org/presentationml/2006/main">
   <p:cSld>
     <p:spTree>
       <p:nvGrpSpPr>
